--- a/diagrama/presentacionModelo.pptx
+++ b/diagrama/presentacionModelo.pptx
@@ -5,16 +5,15 @@
     <p:sldMasterId id="2147483648" r:id="rId4"/>
   </p:sldMasterIdLst>
   <p:notesMasterIdLst>
-    <p:notesMasterId r:id="rId9"/>
+    <p:notesMasterId r:id="rId8"/>
   </p:notesMasterIdLst>
   <p:handoutMasterIdLst>
-    <p:handoutMasterId r:id="rId10"/>
+    <p:handoutMasterId r:id="rId9"/>
   </p:handoutMasterIdLst>
   <p:sldIdLst>
     <p:sldId id="256" r:id="rId5"/>
     <p:sldId id="258" r:id="rId6"/>
-    <p:sldId id="286" r:id="rId7"/>
-    <p:sldId id="268" r:id="rId8"/>
+    <p:sldId id="268" r:id="rId7"/>
   </p:sldIdLst>
   <p:sldSz cx="12192000" cy="6858000"/>
   <p:notesSz cx="6858000" cy="9144000"/>
@@ -25470,16 +25469,21 @@
             <p:ph type="ctrTitle"/>
           </p:nvPr>
         </p:nvSpPr>
-        <p:spPr/>
+        <p:spPr>
+          <a:xfrm>
+            <a:off x="4110893" y="1892808"/>
+            <a:ext cx="4962085" cy="1536192"/>
+          </a:xfrm>
+        </p:spPr>
         <p:txBody>
           <a:bodyPr/>
           <a:lstStyle/>
           <a:p>
             <a:r>
-              <a:rPr lang="en-US" dirty="0" err="1"/>
+              <a:rPr lang="en-US" sz="9600" dirty="0" err="1"/>
               <a:t>Oberti</a:t>
             </a:r>
-            <a:endParaRPr lang="en-US" dirty="0"/>
+            <a:endParaRPr lang="en-US" sz="9600" dirty="0"/>
           </a:p>
         </p:txBody>
       </p:sp>
@@ -25499,7 +25503,12 @@
             <p:ph type="subTitle" idx="1"/>
           </p:nvPr>
         </p:nvSpPr>
-        <p:spPr/>
+        <p:spPr>
+          <a:xfrm>
+            <a:off x="4428744" y="3429000"/>
+            <a:ext cx="3334512" cy="459775"/>
+          </a:xfrm>
+        </p:spPr>
         <p:txBody>
           <a:bodyPr/>
           <a:lstStyle/>
@@ -25583,11 +25592,11 @@
             </a:r>
             <a:r>
               <a:rPr lang="en-US" dirty="0"/>
-              <a:t> 1 - </a:t>
+              <a:t> de </a:t>
             </a:r>
             <a:r>
               <a:rPr lang="en-US" dirty="0" err="1"/>
-              <a:t>Organización</a:t>
+              <a:t>clase</a:t>
             </a:r>
             <a:endParaRPr lang="en-US" dirty="0"/>
           </a:p>
@@ -25625,10 +25634,10 @@
       </p:sp>
       <p:pic>
         <p:nvPicPr>
-          <p:cNvPr id="4" name="Picture 3" descr="Diagram&#10;&#10;Description automatically generated">
+          <p:cNvPr id="5" name="Picture 4" descr="Diagram&#10;&#10;Description automatically generated">
             <a:extLst>
               <a:ext uri="{FF2B5EF4-FFF2-40B4-BE49-F238E27FC236}">
-                <a16:creationId xmlns:a16="http://schemas.microsoft.com/office/drawing/2014/main" id="{7EB615F0-9A8D-4DD8-BDA8-F876ABD36C47}"/>
+                <a16:creationId xmlns:a16="http://schemas.microsoft.com/office/drawing/2014/main" id="{0DF879E4-36DC-4FFD-8621-72E96321D409}"/>
               </a:ext>
             </a:extLst>
           </p:cNvPr>
@@ -25645,8 +25654,8 @@
         </p:blipFill>
         <p:spPr>
           <a:xfrm>
-            <a:off x="1964248" y="1628321"/>
-            <a:ext cx="8174604" cy="4136888"/>
+            <a:off x="0" y="1311417"/>
+            <a:ext cx="12192000" cy="4597115"/>
           </a:xfrm>
           <a:prstGeom prst="rect">
             <a:avLst/>
@@ -25697,10 +25706,10 @@
       </p:grpSpPr>
       <p:sp>
         <p:nvSpPr>
-          <p:cNvPr id="7" name="Title 6">
+          <p:cNvPr id="7" name="Title 1">
             <a:extLst>
               <a:ext uri="{FF2B5EF4-FFF2-40B4-BE49-F238E27FC236}">
-                <a16:creationId xmlns:a16="http://schemas.microsoft.com/office/drawing/2014/main" id="{7875C19A-1AAE-476A-A316-A2CF92D763D3}"/>
+                <a16:creationId xmlns:a16="http://schemas.microsoft.com/office/drawing/2014/main" id="{5804B4EF-8651-44AF-B1EF-283E170BDF75}"/>
               </a:ext>
             </a:extLst>
           </p:cNvPr>
@@ -25711,22 +25720,19 @@
             <p:ph type="title"/>
           </p:nvPr>
         </p:nvSpPr>
-        <p:spPr/>
+        <p:spPr>
+          <a:xfrm>
+            <a:off x="444500" y="542925"/>
+            <a:ext cx="11214100" cy="535531"/>
+          </a:xfrm>
+        </p:spPr>
         <p:txBody>
           <a:bodyPr/>
           <a:lstStyle/>
           <a:p>
             <a:r>
               <a:rPr lang="en-US" dirty="0" err="1"/>
-              <a:t>Diagrama</a:t>
-            </a:r>
-            <a:r>
-              <a:rPr lang="en-US" dirty="0"/>
-              <a:t> 2 - </a:t>
-            </a:r>
-            <a:r>
-              <a:rPr lang="en-US" dirty="0" err="1"/>
-              <a:t>Familias</a:t>
+              <a:t>Realizado</a:t>
             </a:r>
             <a:endParaRPr lang="en-US" dirty="0"/>
           </a:p>
@@ -25734,10 +25740,10 @@
       </p:sp>
       <p:sp>
         <p:nvSpPr>
-          <p:cNvPr id="2" name="Slide Number Placeholder 1">
+          <p:cNvPr id="9" name="Slide Number Placeholder 2">
             <a:extLst>
               <a:ext uri="{FF2B5EF4-FFF2-40B4-BE49-F238E27FC236}">
-                <a16:creationId xmlns:a16="http://schemas.microsoft.com/office/drawing/2014/main" id="{BE9800F6-D571-48C4-8466-12AA1ADB6599}"/>
+                <a16:creationId xmlns:a16="http://schemas.microsoft.com/office/drawing/2014/main" id="{50C13B56-047E-409F-8D58-941CC44ED423}"/>
               </a:ext>
             </a:extLst>
           </p:cNvPr>
@@ -25748,92 +25754,302 @@
             <p:ph type="sldNum" sz="quarter" idx="12"/>
           </p:nvPr>
         </p:nvSpPr>
-        <p:spPr/>
+        <p:spPr>
+          <a:xfrm>
+            <a:off x="11252200" y="6315075"/>
+            <a:ext cx="406400" cy="365125"/>
+          </a:xfrm>
+        </p:spPr>
         <p:txBody>
           <a:bodyPr/>
           <a:lstStyle/>
           <a:p>
+            <a:pPr>
+              <a:spcAft>
+                <a:spcPts val="600"/>
+              </a:spcAft>
+            </a:pPr>
             <a:fld id="{C263D6C4-4840-40CC-AC84-17E24B3B7BDE}" type="slidenum">
-              <a:rPr lang="en-US" smtClean="0"/>
-              <a:pPr/>
+              <a:rPr lang="en-US" noProof="0" smtClean="0"/>
+              <a:pPr>
+                <a:spcAft>
+                  <a:spcPts val="600"/>
+                </a:spcAft>
+              </a:pPr>
               <a:t>3</a:t>
             </a:fld>
-            <a:endParaRPr lang="en-US" dirty="0"/>
+            <a:endParaRPr lang="en-US" noProof="0"/>
           </a:p>
         </p:txBody>
       </p:sp>
-      <p:pic>
-        <p:nvPicPr>
-          <p:cNvPr id="5" name="Picture 4" descr="Diagram&#10;&#10;Description automatically generated">
+      <p:sp>
+        <p:nvSpPr>
+          <p:cNvPr id="2" name="Subtitle 2">
             <a:extLst>
               <a:ext uri="{FF2B5EF4-FFF2-40B4-BE49-F238E27FC236}">
-                <a16:creationId xmlns:a16="http://schemas.microsoft.com/office/drawing/2014/main" id="{91D31175-9E9D-49BD-9695-FE46DAB21A4B}"/>
+                <a16:creationId xmlns:a16="http://schemas.microsoft.com/office/drawing/2014/main" id="{57671EE9-D1B7-47FE-B950-FE697A85B5DA}"/>
               </a:ext>
             </a:extLst>
           </p:cNvPr>
-          <p:cNvPicPr>
-            <a:picLocks noChangeAspect="1"/>
-          </p:cNvPicPr>
+          <p:cNvSpPr txBox="1">
+            <a:spLocks/>
+          </p:cNvSpPr>
           <p:nvPr/>
-        </p:nvPicPr>
-        <p:blipFill>
-          <a:blip r:embed="rId2"/>
-          <a:stretch>
-            <a:fillRect/>
-          </a:stretch>
-        </p:blipFill>
+        </p:nvSpPr>
         <p:spPr>
           <a:xfrm>
-            <a:off x="1536959" y="1659035"/>
-            <a:ext cx="9029181" cy="4656040"/>
+            <a:off x="443365" y="1825625"/>
+            <a:ext cx="11215235" cy="4351338"/>
           </a:xfrm>
           <a:prstGeom prst="rect">
             <a:avLst/>
           </a:prstGeom>
         </p:spPr>
-      </p:pic>
-    </p:spTree>
-    <p:extLst>
-      <p:ext uri="{BB962C8B-B14F-4D97-AF65-F5344CB8AC3E}">
-        <p14:creationId xmlns:p14="http://schemas.microsoft.com/office/powerpoint/2010/main" val="186063951"/>
-      </p:ext>
-    </p:extLst>
-  </p:cSld>
-  <p:clrMapOvr>
-    <a:masterClrMapping/>
-  </p:clrMapOvr>
-  <mc:AlternateContent xmlns:mc="http://schemas.openxmlformats.org/markup-compatibility/2006" xmlns:p14="http://schemas.microsoft.com/office/powerpoint/2010/main">
-    <mc:Choice Requires="p14">
-      <p:transition spd="med" p14:dur="700">
-        <p:fade/>
-      </p:transition>
-    </mc:Choice>
-    <mc:Fallback xmlns="">
-      <p:transition spd="med">
-        <p:fade/>
-      </p:transition>
-    </mc:Fallback>
-  </mc:AlternateContent>
-</p:sld>
-</file>
-
-<file path=ppt/slides/slide4.xml><?xml version="1.0" encoding="utf-8"?>
-<p:sld xmlns:a="http://schemas.openxmlformats.org/drawingml/2006/main" xmlns:r="http://schemas.openxmlformats.org/officeDocument/2006/relationships" xmlns:p="http://schemas.openxmlformats.org/presentationml/2006/main">
-  <p:cSld>
-    <p:spTree>
-      <p:nvGrpSpPr>
-        <p:cNvPr id="1" name=""/>
-        <p:cNvGrpSpPr/>
-        <p:nvPr/>
-      </p:nvGrpSpPr>
-      <p:grpSpPr>
-        <a:xfrm>
-          <a:off x="0" y="0"/>
-          <a:ext cx="0" cy="0"/>
-          <a:chOff x="0" y="0"/>
-          <a:chExt cx="0" cy="0"/>
-        </a:xfrm>
-      </p:grpSpPr>
+        <p:txBody>
+          <a:bodyPr vert="horz" lIns="91440" tIns="45720" rIns="91440" bIns="45720" rtlCol="0">
+            <a:normAutofit/>
+          </a:bodyPr>
+          <a:lstStyle>
+            <a:lvl1pPr marL="228600" indent="-228600" algn="l" defTabSz="914400" rtl="0" eaLnBrk="1" latinLnBrk="0" hangingPunct="1">
+              <a:lnSpc>
+                <a:spcPct val="90000"/>
+              </a:lnSpc>
+              <a:spcBef>
+                <a:spcPts val="1000"/>
+              </a:spcBef>
+              <a:buClr>
+                <a:schemeClr val="accent2"/>
+              </a:buClr>
+              <a:buFont typeface="Arial" panose="020B0604020202020204" pitchFamily="34" charset="0"/>
+              <a:buChar char="•"/>
+              <a:defRPr sz="2800" kern="1200">
+                <a:solidFill>
+                  <a:schemeClr val="tx1"/>
+                </a:solidFill>
+                <a:latin typeface="+mn-lt"/>
+                <a:ea typeface="+mn-ea"/>
+                <a:cs typeface="+mn-cs"/>
+              </a:defRPr>
+            </a:lvl1pPr>
+            <a:lvl2pPr marL="685800" indent="-228600" algn="l" defTabSz="914400" rtl="0" eaLnBrk="1" latinLnBrk="0" hangingPunct="1">
+              <a:lnSpc>
+                <a:spcPct val="90000"/>
+              </a:lnSpc>
+              <a:spcBef>
+                <a:spcPts val="500"/>
+              </a:spcBef>
+              <a:buClr>
+                <a:schemeClr val="accent2"/>
+              </a:buClr>
+              <a:buFont typeface="Arial" panose="020B0604020202020204" pitchFamily="34" charset="0"/>
+              <a:buChar char="•"/>
+              <a:defRPr sz="2400" kern="1200">
+                <a:solidFill>
+                  <a:schemeClr val="tx1"/>
+                </a:solidFill>
+                <a:latin typeface="+mn-lt"/>
+                <a:ea typeface="+mn-ea"/>
+                <a:cs typeface="+mn-cs"/>
+              </a:defRPr>
+            </a:lvl2pPr>
+            <a:lvl3pPr marL="1143000" indent="-228600" algn="l" defTabSz="914400" rtl="0" eaLnBrk="1" latinLnBrk="0" hangingPunct="1">
+              <a:lnSpc>
+                <a:spcPct val="90000"/>
+              </a:lnSpc>
+              <a:spcBef>
+                <a:spcPts val="500"/>
+              </a:spcBef>
+              <a:buClr>
+                <a:schemeClr val="accent2"/>
+              </a:buClr>
+              <a:buFont typeface="Arial" panose="020B0604020202020204" pitchFamily="34" charset="0"/>
+              <a:buChar char="•"/>
+              <a:defRPr sz="2000" kern="1200">
+                <a:solidFill>
+                  <a:schemeClr val="tx1"/>
+                </a:solidFill>
+                <a:latin typeface="+mn-lt"/>
+                <a:ea typeface="+mn-ea"/>
+                <a:cs typeface="+mn-cs"/>
+              </a:defRPr>
+            </a:lvl3pPr>
+            <a:lvl4pPr marL="1600200" indent="-228600" algn="l" defTabSz="914400" rtl="0" eaLnBrk="1" latinLnBrk="0" hangingPunct="1">
+              <a:lnSpc>
+                <a:spcPct val="90000"/>
+              </a:lnSpc>
+              <a:spcBef>
+                <a:spcPts val="500"/>
+              </a:spcBef>
+              <a:buClr>
+                <a:schemeClr val="accent2"/>
+              </a:buClr>
+              <a:buFont typeface="Arial" panose="020B0604020202020204" pitchFamily="34" charset="0"/>
+              <a:buChar char="•"/>
+              <a:defRPr sz="1800" kern="1200">
+                <a:solidFill>
+                  <a:schemeClr val="tx1"/>
+                </a:solidFill>
+                <a:latin typeface="+mn-lt"/>
+                <a:ea typeface="+mn-ea"/>
+                <a:cs typeface="+mn-cs"/>
+              </a:defRPr>
+            </a:lvl4pPr>
+            <a:lvl5pPr marL="2057400" indent="-228600" algn="l" defTabSz="914400" rtl="0" eaLnBrk="1" latinLnBrk="0" hangingPunct="1">
+              <a:lnSpc>
+                <a:spcPct val="90000"/>
+              </a:lnSpc>
+              <a:spcBef>
+                <a:spcPts val="500"/>
+              </a:spcBef>
+              <a:buClr>
+                <a:schemeClr val="accent2"/>
+              </a:buClr>
+              <a:buFont typeface="Arial" panose="020B0604020202020204" pitchFamily="34" charset="0"/>
+              <a:buChar char="•"/>
+              <a:defRPr sz="1800" kern="1200">
+                <a:solidFill>
+                  <a:schemeClr val="tx1"/>
+                </a:solidFill>
+                <a:latin typeface="+mn-lt"/>
+                <a:ea typeface="+mn-ea"/>
+                <a:cs typeface="+mn-cs"/>
+              </a:defRPr>
+            </a:lvl5pPr>
+            <a:lvl6pPr marL="2514600" indent="-228600" algn="l" defTabSz="914400" rtl="0" eaLnBrk="1" latinLnBrk="0" hangingPunct="1">
+              <a:lnSpc>
+                <a:spcPct val="90000"/>
+              </a:lnSpc>
+              <a:spcBef>
+                <a:spcPts val="500"/>
+              </a:spcBef>
+              <a:buFont typeface="Arial" panose="020B0604020202020204" pitchFamily="34" charset="0"/>
+              <a:buChar char="•"/>
+              <a:defRPr sz="1800" kern="1200">
+                <a:solidFill>
+                  <a:schemeClr val="tx1"/>
+                </a:solidFill>
+                <a:latin typeface="+mn-lt"/>
+                <a:ea typeface="+mn-ea"/>
+                <a:cs typeface="+mn-cs"/>
+              </a:defRPr>
+            </a:lvl6pPr>
+            <a:lvl7pPr marL="2971800" indent="-228600" algn="l" defTabSz="914400" rtl="0" eaLnBrk="1" latinLnBrk="0" hangingPunct="1">
+              <a:lnSpc>
+                <a:spcPct val="90000"/>
+              </a:lnSpc>
+              <a:spcBef>
+                <a:spcPts val="500"/>
+              </a:spcBef>
+              <a:buFont typeface="Arial" panose="020B0604020202020204" pitchFamily="34" charset="0"/>
+              <a:buChar char="•"/>
+              <a:defRPr sz="1800" kern="1200">
+                <a:solidFill>
+                  <a:schemeClr val="tx1"/>
+                </a:solidFill>
+                <a:latin typeface="+mn-lt"/>
+                <a:ea typeface="+mn-ea"/>
+                <a:cs typeface="+mn-cs"/>
+              </a:defRPr>
+            </a:lvl7pPr>
+            <a:lvl8pPr marL="3429000" indent="-228600" algn="l" defTabSz="914400" rtl="0" eaLnBrk="1" latinLnBrk="0" hangingPunct="1">
+              <a:lnSpc>
+                <a:spcPct val="90000"/>
+              </a:lnSpc>
+              <a:spcBef>
+                <a:spcPts val="500"/>
+              </a:spcBef>
+              <a:buFont typeface="Arial" panose="020B0604020202020204" pitchFamily="34" charset="0"/>
+              <a:buChar char="•"/>
+              <a:defRPr sz="1800" kern="1200">
+                <a:solidFill>
+                  <a:schemeClr val="tx1"/>
+                </a:solidFill>
+                <a:latin typeface="+mn-lt"/>
+                <a:ea typeface="+mn-ea"/>
+                <a:cs typeface="+mn-cs"/>
+              </a:defRPr>
+            </a:lvl8pPr>
+            <a:lvl9pPr marL="3886200" indent="-228600" algn="l" defTabSz="914400" rtl="0" eaLnBrk="1" latinLnBrk="0" hangingPunct="1">
+              <a:lnSpc>
+                <a:spcPct val="90000"/>
+              </a:lnSpc>
+              <a:spcBef>
+                <a:spcPts val="500"/>
+              </a:spcBef>
+              <a:buFont typeface="Arial" panose="020B0604020202020204" pitchFamily="34" charset="0"/>
+              <a:buChar char="•"/>
+              <a:defRPr sz="1800" kern="1200">
+                <a:solidFill>
+                  <a:schemeClr val="tx1"/>
+                </a:solidFill>
+                <a:latin typeface="+mn-lt"/>
+                <a:ea typeface="+mn-ea"/>
+                <a:cs typeface="+mn-cs"/>
+              </a:defRPr>
+            </a:lvl9pPr>
+          </a:lstStyle>
+          <a:p>
+            <a:pPr marL="0"/>
+            <a:r>
+              <a:rPr lang="en-US" dirty="0">
+                <a:solidFill>
+                  <a:schemeClr val="bg1"/>
+                </a:solidFill>
+              </a:rPr>
+              <a:t>Alvaro Gómez Nieto</a:t>
+            </a:r>
+          </a:p>
+          <a:p>
+            <a:pPr marL="0"/>
+            <a:r>
+              <a:rPr lang="en-US" dirty="0">
+                <a:solidFill>
+                  <a:schemeClr val="bg1"/>
+                </a:solidFill>
+              </a:rPr>
+              <a:t>Juan Jesús Martín Hernandez</a:t>
+            </a:r>
+          </a:p>
+          <a:p>
+            <a:pPr marL="0"/>
+            <a:r>
+              <a:rPr lang="en-US" dirty="0">
+                <a:solidFill>
+                  <a:schemeClr val="bg1"/>
+                </a:solidFill>
+              </a:rPr>
+              <a:t>María José Ruiz Vázquez</a:t>
+            </a:r>
+          </a:p>
+          <a:p>
+            <a:pPr marL="0"/>
+            <a:r>
+              <a:rPr lang="en-US" dirty="0">
+                <a:solidFill>
+                  <a:schemeClr val="bg1"/>
+                </a:solidFill>
+              </a:rPr>
+              <a:t>Marta </a:t>
+            </a:r>
+            <a:r>
+              <a:rPr lang="en-US" dirty="0" err="1">
+                <a:solidFill>
+                  <a:schemeClr val="bg1"/>
+                </a:solidFill>
+              </a:rPr>
+              <a:t>Sampedro</a:t>
+            </a:r>
+            <a:r>
+              <a:rPr lang="en-US" dirty="0">
+                <a:solidFill>
+                  <a:schemeClr val="bg1"/>
+                </a:solidFill>
+              </a:rPr>
+              <a:t> Bernal</a:t>
+            </a:r>
+          </a:p>
+        </p:txBody>
+      </p:sp>
     </p:spTree>
     <p:extLst>
       <p:ext uri="{BB962C8B-B14F-4D97-AF65-F5344CB8AC3E}">
@@ -26642,6 +26858,23 @@
 </file>
 
 <file path=customXml/item1.xml><?xml version="1.0" encoding="utf-8"?>
+<p:properties xmlns:p="http://schemas.microsoft.com/office/2006/metadata/properties" xmlns:xsi="http://www.w3.org/2001/XMLSchema-instance" xmlns:pc="http://schemas.microsoft.com/office/infopath/2007/PartnerControls">
+  <documentManagement>
+    <MediaServiceKeyPoints xmlns="71af3243-3dd4-4a8d-8c0d-dd76da1f02a5" xsi:nil="true"/>
+  </documentManagement>
+</p:properties>
+</file>
+
+<file path=customXml/item2.xml><?xml version="1.0" encoding="utf-8"?>
+<?mso-contentType ?>
+<FormTemplates xmlns="http://schemas.microsoft.com/sharepoint/v3/contenttype/forms">
+  <Display>DocumentLibraryForm</Display>
+  <Edit>DocumentLibraryForm</Edit>
+  <New>DocumentLibraryForm</New>
+</FormTemplates>
+</file>
+
+<file path=customXml/item3.xml><?xml version="1.0" encoding="utf-8"?>
 <ct:contentTypeSchema xmlns:ct="http://schemas.microsoft.com/office/2006/metadata/contentType" xmlns:ma="http://schemas.microsoft.com/office/2006/metadata/properties/metaAttributes" ct:_="" ma:_="" ma:contentTypeName="Document" ma:contentTypeID="0x01010079F111ED35F8CC479449609E8A0923A6" ma:contentTypeVersion="11" ma:contentTypeDescription="Create a new document." ma:contentTypeScope="" ma:versionID="96291512c1ee715ab617f4c07df79fc1">
   <xsd:schema xmlns:xsd="http://www.w3.org/2001/XMLSchema" xmlns:xs="http://www.w3.org/2001/XMLSchema" xmlns:p="http://schemas.microsoft.com/office/2006/metadata/properties" xmlns:ns2="71af3243-3dd4-4a8d-8c0d-dd76da1f02a5" xmlns:ns3="16c05727-aa75-4e4a-9b5f-8a80a1165891" targetNamespace="http://schemas.microsoft.com/office/2006/metadata/properties" ma:root="true" ma:fieldsID="8256c27c40ca5c40ce1cf6c44f0205df" ns2:_="" ns3:_="">
     <xsd:import namespace="71af3243-3dd4-4a8d-8c0d-dd76da1f02a5"/>
@@ -26852,24 +27085,25 @@
 </ct:contentTypeSchema>
 </file>
 
-<file path=customXml/item2.xml><?xml version="1.0" encoding="utf-8"?>
-<?mso-contentType ?>
-<FormTemplates xmlns="http://schemas.microsoft.com/sharepoint/v3/contenttype/forms">
-  <Display>DocumentLibraryForm</Display>
-  <Edit>DocumentLibraryForm</Edit>
-  <New>DocumentLibraryForm</New>
-</FormTemplates>
+<file path=customXml/itemProps1.xml><?xml version="1.0" encoding="utf-8"?>
+<ds:datastoreItem xmlns:ds="http://schemas.openxmlformats.org/officeDocument/2006/customXml" ds:itemID="{F5757914-1161-4661-9696-421FD6935CDD}">
+  <ds:schemaRefs>
+    <ds:schemaRef ds:uri="http://schemas.microsoft.com/office/2006/metadata/properties"/>
+    <ds:schemaRef ds:uri="http://schemas.microsoft.com/office/infopath/2007/PartnerControls"/>
+    <ds:schemaRef ds:uri="71af3243-3dd4-4a8d-8c0d-dd76da1f02a5"/>
+  </ds:schemaRefs>
+</ds:datastoreItem>
 </file>
 
-<file path=customXml/item3.xml><?xml version="1.0" encoding="utf-8"?>
-<p:properties xmlns:p="http://schemas.microsoft.com/office/2006/metadata/properties" xmlns:xsi="http://www.w3.org/2001/XMLSchema-instance" xmlns:pc="http://schemas.microsoft.com/office/infopath/2007/PartnerControls">
-  <documentManagement>
-    <MediaServiceKeyPoints xmlns="71af3243-3dd4-4a8d-8c0d-dd76da1f02a5" xsi:nil="true"/>
-  </documentManagement>
-</p:properties>
+<file path=customXml/itemProps2.xml><?xml version="1.0" encoding="utf-8"?>
+<ds:datastoreItem xmlns:ds="http://schemas.openxmlformats.org/officeDocument/2006/customXml" ds:itemID="{5B26E0C9-B2AA-42E6-97B6-E1B7D9EAF129}">
+  <ds:schemaRefs>
+    <ds:schemaRef ds:uri="http://schemas.microsoft.com/sharepoint/v3/contenttype/forms"/>
+  </ds:schemaRefs>
+</ds:datastoreItem>
 </file>
 
-<file path=customXml/itemProps1.xml><?xml version="1.0" encoding="utf-8"?>
+<file path=customXml/itemProps3.xml><?xml version="1.0" encoding="utf-8"?>
 <ds:datastoreItem xmlns:ds="http://schemas.openxmlformats.org/officeDocument/2006/customXml" ds:itemID="{4C103400-4A22-4E35-B588-4C4D42638959}">
   <ds:schemaRefs>
     <ds:schemaRef ds:uri="http://schemas.microsoft.com/office/2006/metadata/contentType"/>
@@ -26886,22 +27120,4 @@
     <ds:schemaRef ds:uri="http://schemas.microsoft.com/internal/obd"/>
   </ds:schemaRefs>
 </ds:datastoreItem>
-</file>
-
-<file path=customXml/itemProps2.xml><?xml version="1.0" encoding="utf-8"?>
-<ds:datastoreItem xmlns:ds="http://schemas.openxmlformats.org/officeDocument/2006/customXml" ds:itemID="{5B26E0C9-B2AA-42E6-97B6-E1B7D9EAF129}">
-  <ds:schemaRefs>
-    <ds:schemaRef ds:uri="http://schemas.microsoft.com/sharepoint/v3/contenttype/forms"/>
-  </ds:schemaRefs>
-</ds:datastoreItem>
-</file>
-
-<file path=customXml/itemProps3.xml><?xml version="1.0" encoding="utf-8"?>
-<ds:datastoreItem xmlns:ds="http://schemas.openxmlformats.org/officeDocument/2006/customXml" ds:itemID="{F5757914-1161-4661-9696-421FD6935CDD}">
-  <ds:schemaRefs>
-    <ds:schemaRef ds:uri="http://schemas.microsoft.com/office/2006/metadata/properties"/>
-    <ds:schemaRef ds:uri="http://schemas.microsoft.com/office/infopath/2007/PartnerControls"/>
-    <ds:schemaRef ds:uri="71af3243-3dd4-4a8d-8c0d-dd76da1f02a5"/>
-  </ds:schemaRefs>
-</ds:datastoreItem>
 </file>